--- a/risk-sensitive-finite_Sept25/images/cvar_schematic.pptx
+++ b/risk-sensitive-finite_Sept25/images/cvar_schematic.pptx
@@ -104,6 +104,11 @@
       </a:defRPr>
     </a:lvl9pPr>
   </p:defaultTextStyle>
+  <p:extLst>
+    <p:ext uri="{EFAFB233-063F-42B5-8137-9DF3F51BA10A}">
+      <p15:sldGuideLst xmlns:p15="http://schemas.microsoft.com/office/powerpoint/2012/main"/>
+    </p:ext>
+  </p:extLst>
 </p:presentation>
 </file>
 
@@ -238,7 +243,7 @@
           <a:p>
             <a:fld id="{6C8A6C3D-F941-4C53-B9EF-DCCFA099DE9E}" type="datetimeFigureOut">
               <a:rPr lang="en-US" smtClean="0"/>
-              <a:t>7/11/2018</a:t>
+              <a:t>2/7/2019</a:t>
             </a:fld>
             <a:endParaRPr lang="en-US"/>
           </a:p>
@@ -408,7 +413,7 @@
           <a:p>
             <a:fld id="{6C8A6C3D-F941-4C53-B9EF-DCCFA099DE9E}" type="datetimeFigureOut">
               <a:rPr lang="en-US" smtClean="0"/>
-              <a:t>7/11/2018</a:t>
+              <a:t>2/7/2019</a:t>
             </a:fld>
             <a:endParaRPr lang="en-US"/>
           </a:p>
@@ -588,7 +593,7 @@
           <a:p>
             <a:fld id="{6C8A6C3D-F941-4C53-B9EF-DCCFA099DE9E}" type="datetimeFigureOut">
               <a:rPr lang="en-US" smtClean="0"/>
-              <a:t>7/11/2018</a:t>
+              <a:t>2/7/2019</a:t>
             </a:fld>
             <a:endParaRPr lang="en-US"/>
           </a:p>
@@ -758,7 +763,7 @@
           <a:p>
             <a:fld id="{6C8A6C3D-F941-4C53-B9EF-DCCFA099DE9E}" type="datetimeFigureOut">
               <a:rPr lang="en-US" smtClean="0"/>
-              <a:t>7/11/2018</a:t>
+              <a:t>2/7/2019</a:t>
             </a:fld>
             <a:endParaRPr lang="en-US"/>
           </a:p>
@@ -1004,7 +1009,7 @@
           <a:p>
             <a:fld id="{6C8A6C3D-F941-4C53-B9EF-DCCFA099DE9E}" type="datetimeFigureOut">
               <a:rPr lang="en-US" smtClean="0"/>
-              <a:t>7/11/2018</a:t>
+              <a:t>2/7/2019</a:t>
             </a:fld>
             <a:endParaRPr lang="en-US"/>
           </a:p>
@@ -1236,7 +1241,7 @@
           <a:p>
             <a:fld id="{6C8A6C3D-F941-4C53-B9EF-DCCFA099DE9E}" type="datetimeFigureOut">
               <a:rPr lang="en-US" smtClean="0"/>
-              <a:t>7/11/2018</a:t>
+              <a:t>2/7/2019</a:t>
             </a:fld>
             <a:endParaRPr lang="en-US"/>
           </a:p>
@@ -1603,7 +1608,7 @@
           <a:p>
             <a:fld id="{6C8A6C3D-F941-4C53-B9EF-DCCFA099DE9E}" type="datetimeFigureOut">
               <a:rPr lang="en-US" smtClean="0"/>
-              <a:t>7/11/2018</a:t>
+              <a:t>2/7/2019</a:t>
             </a:fld>
             <a:endParaRPr lang="en-US"/>
           </a:p>
@@ -1721,7 +1726,7 @@
           <a:p>
             <a:fld id="{6C8A6C3D-F941-4C53-B9EF-DCCFA099DE9E}" type="datetimeFigureOut">
               <a:rPr lang="en-US" smtClean="0"/>
-              <a:t>7/11/2018</a:t>
+              <a:t>2/7/2019</a:t>
             </a:fld>
             <a:endParaRPr lang="en-US"/>
           </a:p>
@@ -1816,7 +1821,7 @@
           <a:p>
             <a:fld id="{6C8A6C3D-F941-4C53-B9EF-DCCFA099DE9E}" type="datetimeFigureOut">
               <a:rPr lang="en-US" smtClean="0"/>
-              <a:t>7/11/2018</a:t>
+              <a:t>2/7/2019</a:t>
             </a:fld>
             <a:endParaRPr lang="en-US"/>
           </a:p>
@@ -2093,7 +2098,7 @@
           <a:p>
             <a:fld id="{6C8A6C3D-F941-4C53-B9EF-DCCFA099DE9E}" type="datetimeFigureOut">
               <a:rPr lang="en-US" smtClean="0"/>
-              <a:t>7/11/2018</a:t>
+              <a:t>2/7/2019</a:t>
             </a:fld>
             <a:endParaRPr lang="en-US"/>
           </a:p>
@@ -2346,7 +2351,7 @@
           <a:p>
             <a:fld id="{6C8A6C3D-F941-4C53-B9EF-DCCFA099DE9E}" type="datetimeFigureOut">
               <a:rPr lang="en-US" smtClean="0"/>
-              <a:t>7/11/2018</a:t>
+              <a:t>2/7/2019</a:t>
             </a:fld>
             <a:endParaRPr lang="en-US"/>
           </a:p>
@@ -2559,7 +2564,7 @@
           <a:p>
             <a:fld id="{6C8A6C3D-F941-4C53-B9EF-DCCFA099DE9E}" type="datetimeFigureOut">
               <a:rPr lang="en-US" smtClean="0"/>
-              <a:t>7/11/2018</a:t>
+              <a:t>2/7/2019</a:t>
             </a:fld>
             <a:endParaRPr lang="en-US"/>
           </a:p>
@@ -3568,9 +3573,9 @@
         <p:grpSpPr>
           <a:xfrm>
             <a:off x="1767227" y="1884611"/>
-            <a:ext cx="5941130" cy="3025750"/>
+            <a:ext cx="5053194" cy="3025750"/>
             <a:chOff x="1767227" y="1884611"/>
-            <a:chExt cx="5941130" cy="3025750"/>
+            <a:chExt cx="5053194" cy="3025750"/>
           </a:xfrm>
         </p:grpSpPr>
         <p:cxnSp>
@@ -3714,8 +3719,8 @@
           </p:nvSpPr>
           <p:spPr>
             <a:xfrm>
-              <a:off x="4956954" y="3819542"/>
-              <a:ext cx="346570" cy="461665"/>
+              <a:off x="4954738" y="3831854"/>
+              <a:ext cx="360996" cy="461665"/>
             </a:xfrm>
             <a:prstGeom prst="rect">
               <a:avLst/>
@@ -3729,8 +3734,11 @@
             <a:lstStyle/>
             <a:p>
               <a:r>
-                <a:rPr lang="el-GR" sz="2400" dirty="0" smtClean="0"/>
-                <a:t>δ</a:t>
+                <a:rPr lang="el-GR" sz="2400" dirty="0" smtClean="0">
+                  <a:latin typeface="Cambria Math" panose="02040503050406030204" pitchFamily="18" charset="0"/>
+                  <a:ea typeface="Cambria Math" panose="02040503050406030204" pitchFamily="18" charset="0"/>
+                </a:rPr>
+                <a:t>α</a:t>
               </a:r>
               <a:endParaRPr lang="en-US" sz="2400" dirty="0"/>
             </a:p>
@@ -3745,7 +3753,7 @@
           <p:spPr>
             <a:xfrm>
               <a:off x="3910701" y="3834464"/>
-              <a:ext cx="596638" cy="461665"/>
+              <a:ext cx="609462" cy="461665"/>
             </a:xfrm>
             <a:prstGeom prst="rect">
               <a:avLst/>
@@ -3763,8 +3771,11 @@
                 <a:t>1-</a:t>
               </a:r>
               <a:r>
-                <a:rPr lang="el-GR" sz="2400" dirty="0" smtClean="0"/>
-                <a:t>δ</a:t>
+                <a:rPr lang="el-GR" sz="2400" dirty="0">
+                  <a:latin typeface="Cambria Math" panose="02040503050406030204" pitchFamily="18" charset="0"/>
+                  <a:ea typeface="Cambria Math" panose="02040503050406030204" pitchFamily="18" charset="0"/>
+                </a:rPr>
+                <a:t>α</a:t>
               </a:r>
               <a:endParaRPr lang="en-US" sz="2400" dirty="0"/>
             </a:p>
@@ -3843,12 +3854,19 @@
                 <a:t>CVaR</a:t>
               </a:r>
               <a:r>
-                <a:rPr lang="el-GR" sz="2000" baseline="-25000" dirty="0" smtClean="0"/>
-                <a:t>δ</a:t>
+                <a:rPr lang="el-GR" sz="2000" baseline="-25000" dirty="0">
+                  <a:latin typeface="Cambria Math" panose="02040503050406030204" pitchFamily="18" charset="0"/>
+                  <a:ea typeface="Cambria Math" panose="02040503050406030204" pitchFamily="18" charset="0"/>
+                </a:rPr>
+                <a:t>α</a:t>
               </a:r>
               <a:r>
                 <a:rPr lang="en-US" sz="2000" dirty="0" smtClean="0"/>
-                <a:t>(Z)</a:t>
+                <a:t>(Z</a:t>
+              </a:r>
+              <a:r>
+                <a:rPr lang="en-US" sz="2000" dirty="0" smtClean="0"/>
+                <a:t>)</a:t>
               </a:r>
               <a:endParaRPr lang="en-US" sz="2000" dirty="0"/>
             </a:p>
@@ -3862,8 +3880,8 @@
           </p:nvSpPr>
           <p:spPr>
             <a:xfrm>
-              <a:off x="5884203" y="4507044"/>
-              <a:ext cx="1824154" cy="400110"/>
+              <a:off x="4157069" y="4414423"/>
+              <a:ext cx="285656" cy="400110"/>
             </a:xfrm>
             <a:prstGeom prst="rect">
               <a:avLst/>
@@ -3878,7 +3896,7 @@
             <a:p>
               <a:r>
                 <a:rPr lang="en-US" sz="2000" dirty="0" smtClean="0"/>
-                <a:t>realizations of Z</a:t>
+                <a:t>z</a:t>
               </a:r>
               <a:endParaRPr lang="en-US" sz="2000" dirty="0"/>
             </a:p>
@@ -3914,6 +3932,154 @@
             </a:p>
           </p:txBody>
         </p:sp>
+      </p:grpSp>
+      <p:grpSp>
+        <p:nvGrpSpPr>
+          <p:cNvPr id="21" name="Group 20"/>
+          <p:cNvGrpSpPr/>
+          <p:nvPr/>
+        </p:nvGrpSpPr>
+        <p:grpSpPr>
+          <a:xfrm>
+            <a:off x="7549210" y="-1190831"/>
+            <a:ext cx="5022241" cy="2964873"/>
+            <a:chOff x="1798180" y="1884611"/>
+            <a:chExt cx="5022241" cy="2964873"/>
+          </a:xfrm>
+        </p:grpSpPr>
+        <p:cxnSp>
+          <p:nvCxnSpPr>
+            <p:cNvPr id="22" name="Straight Arrow Connector 21"/>
+            <p:cNvCxnSpPr/>
+            <p:nvPr/>
+          </p:nvCxnSpPr>
+          <p:spPr>
+            <a:xfrm flipH="1" flipV="1">
+              <a:off x="2168901" y="1884611"/>
+              <a:ext cx="0" cy="2964873"/>
+            </a:xfrm>
+            <a:prstGeom prst="straightConnector1">
+              <a:avLst/>
+            </a:prstGeom>
+            <a:ln w="25400">
+              <a:solidFill>
+                <a:schemeClr val="tx1"/>
+              </a:solidFill>
+              <a:tailEnd type="triangle"/>
+            </a:ln>
+          </p:spPr>
+          <p:style>
+            <a:lnRef idx="1">
+              <a:schemeClr val="accent1"/>
+            </a:lnRef>
+            <a:fillRef idx="0">
+              <a:schemeClr val="accent1"/>
+            </a:fillRef>
+            <a:effectRef idx="0">
+              <a:schemeClr val="accent1"/>
+            </a:effectRef>
+            <a:fontRef idx="minor">
+              <a:schemeClr val="tx1"/>
+            </a:fontRef>
+          </p:style>
+        </p:cxnSp>
+        <p:grpSp>
+          <p:nvGrpSpPr>
+            <p:cNvPr id="32" name="Group 31"/>
+            <p:cNvGrpSpPr/>
+            <p:nvPr/>
+          </p:nvGrpSpPr>
+          <p:grpSpPr>
+            <a:xfrm>
+              <a:off x="1798180" y="2131589"/>
+              <a:ext cx="4689306" cy="2415105"/>
+              <a:chOff x="1694467" y="2066247"/>
+              <a:chExt cx="4689306" cy="2280102"/>
+            </a:xfrm>
+          </p:grpSpPr>
+          <p:pic>
+            <p:nvPicPr>
+              <p:cNvPr id="34" name="Picture 33"/>
+              <p:cNvPicPr>
+                <a:picLocks noChangeAspect="1"/>
+              </p:cNvPicPr>
+              <p:nvPr/>
+            </p:nvPicPr>
+            <p:blipFill rotWithShape="1">
+              <a:blip r:embed="rId2"/>
+              <a:srcRect r="41335"/>
+              <a:stretch/>
+            </p:blipFill>
+            <p:spPr>
+              <a:xfrm>
+                <a:off x="1694467" y="2066247"/>
+                <a:ext cx="3512161" cy="2280102"/>
+              </a:xfrm>
+              <a:prstGeom prst="rect">
+                <a:avLst/>
+              </a:prstGeom>
+            </p:spPr>
+          </p:pic>
+          <p:pic>
+            <p:nvPicPr>
+              <p:cNvPr id="38" name="Picture 37"/>
+              <p:cNvPicPr>
+                <a:picLocks noChangeAspect="1"/>
+              </p:cNvPicPr>
+              <p:nvPr/>
+            </p:nvPicPr>
+            <p:blipFill rotWithShape="1">
+              <a:blip r:embed="rId3"/>
+              <a:srcRect l="53208" t="33031" r="21667"/>
+              <a:stretch/>
+            </p:blipFill>
+            <p:spPr>
+              <a:xfrm>
+                <a:off x="4879582" y="2818503"/>
+                <a:ext cx="1504191" cy="1526955"/>
+              </a:xfrm>
+              <a:prstGeom prst="rect">
+                <a:avLst/>
+              </a:prstGeom>
+            </p:spPr>
+          </p:pic>
+        </p:grpSp>
+        <p:cxnSp>
+          <p:nvCxnSpPr>
+            <p:cNvPr id="33" name="Straight Arrow Connector 32"/>
+            <p:cNvCxnSpPr/>
+            <p:nvPr/>
+          </p:nvCxnSpPr>
+          <p:spPr>
+            <a:xfrm flipV="1">
+              <a:off x="1798180" y="4508172"/>
+              <a:ext cx="5022241" cy="0"/>
+            </a:xfrm>
+            <a:prstGeom prst="straightConnector1">
+              <a:avLst/>
+            </a:prstGeom>
+            <a:ln w="25400">
+              <a:solidFill>
+                <a:schemeClr val="tx1"/>
+              </a:solidFill>
+              <a:tailEnd type="triangle"/>
+            </a:ln>
+          </p:spPr>
+          <p:style>
+            <a:lnRef idx="1">
+              <a:schemeClr val="accent1"/>
+            </a:lnRef>
+            <a:fillRef idx="0">
+              <a:schemeClr val="accent1"/>
+            </a:fillRef>
+            <a:effectRef idx="0">
+              <a:schemeClr val="accent1"/>
+            </a:effectRef>
+            <a:fontRef idx="minor">
+              <a:schemeClr val="tx1"/>
+            </a:fontRef>
+          </p:style>
+        </p:cxnSp>
       </p:grpSp>
     </p:spTree>
     <p:extLst>
